--- a/in_class_slides/geog4300_W12-1 Test review; Multivariate regression.pptx
+++ b/in_class_slides/geog4300_W12-1 Test review; Multivariate regression.pptx
@@ -5,7 +5,7 @@
     <p:sldMasterId id="2147483660" r:id="rId1"/>
   </p:sldMasterIdLst>
   <p:notesMasterIdLst>
-    <p:notesMasterId r:id="rId15"/>
+    <p:notesMasterId r:id="rId16"/>
   </p:notesMasterIdLst>
   <p:sldIdLst>
     <p:sldId id="256" r:id="rId2"/>
@@ -21,6 +21,7 @@
     <p:sldId id="321" r:id="rId12"/>
     <p:sldId id="327" r:id="rId13"/>
     <p:sldId id="328" r:id="rId14"/>
+    <p:sldId id="314" r:id="rId15"/>
   </p:sldIdLst>
   <p:sldSz cx="12192000" cy="6858000"/>
   <p:notesSz cx="6858000" cy="9144000"/>
@@ -209,7 +210,7 @@
           <a:p>
             <a:fld id="{F1C23026-85D4-48E8-9219-18000F688023}" type="datetimeFigureOut">
               <a:rPr lang="en-US" smtClean="0"/>
-              <a:t>11/3/2022</a:t>
+              <a:t>11/7/2023</a:t>
             </a:fld>
             <a:endParaRPr lang="en-US"/>
           </a:p>
@@ -1244,7 +1245,7 @@
 </p:notes>
 </file>
 
-<file path=ppt/notesSlides/notesSlide2.xml><?xml version="1.0" encoding="utf-8"?>
+<file path=ppt/notesSlides/notesSlide13.xml><?xml version="1.0" encoding="utf-8"?>
 <p:notes xmlns:a="http://schemas.openxmlformats.org/drawingml/2006/main" xmlns:r="http://schemas.openxmlformats.org/officeDocument/2006/relationships" xmlns:p="http://schemas.openxmlformats.org/presentationml/2006/main" showMasterSp="0" showMasterPhAnim="0">
   <p:cSld>
     <p:spTree>
@@ -1409,7 +1410,7 @@
                 <a:cs typeface="Calibri"/>
                 <a:sym typeface="Calibri"/>
               </a:rPr>
-              <a:t>3</a:t>
+              <a:t>14</a:t>
             </a:fld>
             <a:endParaRPr lang="en-US" sz="1200">
               <a:solidFill>
@@ -1426,7 +1427,7 @@
     </p:spTree>
     <p:extLst>
       <p:ext uri="{BB962C8B-B14F-4D97-AF65-F5344CB8AC3E}">
-        <p14:creationId xmlns:p14="http://schemas.microsoft.com/office/powerpoint/2010/main" val="3495299722"/>
+        <p14:creationId xmlns:p14="http://schemas.microsoft.com/office/powerpoint/2010/main" val="1117073594"/>
       </p:ext>
     </p:extLst>
   </p:cSld>
@@ -1436,7 +1437,7 @@
 </p:notes>
 </file>
 
-<file path=ppt/notesSlides/notesSlide3.xml><?xml version="1.0" encoding="utf-8"?>
+<file path=ppt/notesSlides/notesSlide2.xml><?xml version="1.0" encoding="utf-8"?>
 <p:notes xmlns:a="http://schemas.openxmlformats.org/drawingml/2006/main" xmlns:r="http://schemas.openxmlformats.org/officeDocument/2006/relationships" xmlns:p="http://schemas.openxmlformats.org/presentationml/2006/main" showMasterSp="0" showMasterPhAnim="0">
   <p:cSld>
     <p:spTree>
@@ -1601,7 +1602,7 @@
                 <a:cs typeface="Calibri"/>
                 <a:sym typeface="Calibri"/>
               </a:rPr>
-              <a:t>4</a:t>
+              <a:t>3</a:t>
             </a:fld>
             <a:endParaRPr lang="en-US" sz="1200">
               <a:solidFill>
@@ -1618,7 +1619,7 @@
     </p:spTree>
     <p:extLst>
       <p:ext uri="{BB962C8B-B14F-4D97-AF65-F5344CB8AC3E}">
-        <p14:creationId xmlns:p14="http://schemas.microsoft.com/office/powerpoint/2010/main" val="2143336257"/>
+        <p14:creationId xmlns:p14="http://schemas.microsoft.com/office/powerpoint/2010/main" val="3495299722"/>
       </p:ext>
     </p:extLst>
   </p:cSld>
@@ -1628,7 +1629,7 @@
 </p:notes>
 </file>
 
-<file path=ppt/notesSlides/notesSlide4.xml><?xml version="1.0" encoding="utf-8"?>
+<file path=ppt/notesSlides/notesSlide3.xml><?xml version="1.0" encoding="utf-8"?>
 <p:notes xmlns:a="http://schemas.openxmlformats.org/drawingml/2006/main" xmlns:r="http://schemas.openxmlformats.org/officeDocument/2006/relationships" xmlns:p="http://schemas.openxmlformats.org/presentationml/2006/main" showMasterSp="0" showMasterPhAnim="0">
   <p:cSld>
     <p:spTree>
@@ -1793,7 +1794,7 @@
                 <a:cs typeface="Calibri"/>
                 <a:sym typeface="Calibri"/>
               </a:rPr>
-              <a:t>5</a:t>
+              <a:t>4</a:t>
             </a:fld>
             <a:endParaRPr lang="en-US" sz="1200">
               <a:solidFill>
@@ -1810,7 +1811,7 @@
     </p:spTree>
     <p:extLst>
       <p:ext uri="{BB962C8B-B14F-4D97-AF65-F5344CB8AC3E}">
-        <p14:creationId xmlns:p14="http://schemas.microsoft.com/office/powerpoint/2010/main" val="1066753982"/>
+        <p14:creationId xmlns:p14="http://schemas.microsoft.com/office/powerpoint/2010/main" val="2143336257"/>
       </p:ext>
     </p:extLst>
   </p:cSld>
@@ -1820,7 +1821,7 @@
 </p:notes>
 </file>
 
-<file path=ppt/notesSlides/notesSlide5.xml><?xml version="1.0" encoding="utf-8"?>
+<file path=ppt/notesSlides/notesSlide4.xml><?xml version="1.0" encoding="utf-8"?>
 <p:notes xmlns:a="http://schemas.openxmlformats.org/drawingml/2006/main" xmlns:r="http://schemas.openxmlformats.org/officeDocument/2006/relationships" xmlns:p="http://schemas.openxmlformats.org/presentationml/2006/main" showMasterSp="0" showMasterPhAnim="0">
   <p:cSld>
     <p:spTree>
@@ -1985,7 +1986,7 @@
                 <a:cs typeface="Calibri"/>
                 <a:sym typeface="Calibri"/>
               </a:rPr>
-              <a:t>6</a:t>
+              <a:t>5</a:t>
             </a:fld>
             <a:endParaRPr lang="en-US" sz="1200">
               <a:solidFill>
@@ -2002,7 +2003,7 @@
     </p:spTree>
     <p:extLst>
       <p:ext uri="{BB962C8B-B14F-4D97-AF65-F5344CB8AC3E}">
-        <p14:creationId xmlns:p14="http://schemas.microsoft.com/office/powerpoint/2010/main" val="1486740573"/>
+        <p14:creationId xmlns:p14="http://schemas.microsoft.com/office/powerpoint/2010/main" val="1066753982"/>
       </p:ext>
     </p:extLst>
   </p:cSld>
@@ -2012,7 +2013,7 @@
 </p:notes>
 </file>
 
-<file path=ppt/notesSlides/notesSlide6.xml><?xml version="1.0" encoding="utf-8"?>
+<file path=ppt/notesSlides/notesSlide5.xml><?xml version="1.0" encoding="utf-8"?>
 <p:notes xmlns:a="http://schemas.openxmlformats.org/drawingml/2006/main" xmlns:r="http://schemas.openxmlformats.org/officeDocument/2006/relationships" xmlns:p="http://schemas.openxmlformats.org/presentationml/2006/main" showMasterSp="0" showMasterPhAnim="0">
   <p:cSld>
     <p:spTree>
@@ -2177,7 +2178,7 @@
                 <a:cs typeface="Calibri"/>
                 <a:sym typeface="Calibri"/>
               </a:rPr>
-              <a:t>7</a:t>
+              <a:t>6</a:t>
             </a:fld>
             <a:endParaRPr lang="en-US" sz="1200">
               <a:solidFill>
@@ -2194,7 +2195,7 @@
     </p:spTree>
     <p:extLst>
       <p:ext uri="{BB962C8B-B14F-4D97-AF65-F5344CB8AC3E}">
-        <p14:creationId xmlns:p14="http://schemas.microsoft.com/office/powerpoint/2010/main" val="3234651381"/>
+        <p14:creationId xmlns:p14="http://schemas.microsoft.com/office/powerpoint/2010/main" val="1486740573"/>
       </p:ext>
     </p:extLst>
   </p:cSld>
@@ -2204,7 +2205,7 @@
 </p:notes>
 </file>
 
-<file path=ppt/notesSlides/notesSlide7.xml><?xml version="1.0" encoding="utf-8"?>
+<file path=ppt/notesSlides/notesSlide6.xml><?xml version="1.0" encoding="utf-8"?>
 <p:notes xmlns:a="http://schemas.openxmlformats.org/drawingml/2006/main" xmlns:r="http://schemas.openxmlformats.org/officeDocument/2006/relationships" xmlns:p="http://schemas.openxmlformats.org/presentationml/2006/main" showMasterSp="0" showMasterPhAnim="0">
   <p:cSld>
     <p:spTree>
@@ -2369,7 +2370,7 @@
                 <a:cs typeface="Calibri"/>
                 <a:sym typeface="Calibri"/>
               </a:rPr>
-              <a:t>8</a:t>
+              <a:t>7</a:t>
             </a:fld>
             <a:endParaRPr lang="en-US" sz="1200">
               <a:solidFill>
@@ -2386,7 +2387,7 @@
     </p:spTree>
     <p:extLst>
       <p:ext uri="{BB962C8B-B14F-4D97-AF65-F5344CB8AC3E}">
-        <p14:creationId xmlns:p14="http://schemas.microsoft.com/office/powerpoint/2010/main" val="527800070"/>
+        <p14:creationId xmlns:p14="http://schemas.microsoft.com/office/powerpoint/2010/main" val="3234651381"/>
       </p:ext>
     </p:extLst>
   </p:cSld>
@@ -2396,7 +2397,7 @@
 </p:notes>
 </file>
 
-<file path=ppt/notesSlides/notesSlide8.xml><?xml version="1.0" encoding="utf-8"?>
+<file path=ppt/notesSlides/notesSlide7.xml><?xml version="1.0" encoding="utf-8"?>
 <p:notes xmlns:a="http://schemas.openxmlformats.org/drawingml/2006/main" xmlns:r="http://schemas.openxmlformats.org/officeDocument/2006/relationships" xmlns:p="http://schemas.openxmlformats.org/presentationml/2006/main" showMasterSp="0" showMasterPhAnim="0">
   <p:cSld>
     <p:spTree>
@@ -2561,7 +2562,7 @@
                 <a:cs typeface="Calibri"/>
                 <a:sym typeface="Calibri"/>
               </a:rPr>
-              <a:t>9</a:t>
+              <a:t>8</a:t>
             </a:fld>
             <a:endParaRPr lang="en-US" sz="1200">
               <a:solidFill>
@@ -2578,7 +2579,7 @@
     </p:spTree>
     <p:extLst>
       <p:ext uri="{BB962C8B-B14F-4D97-AF65-F5344CB8AC3E}">
-        <p14:creationId xmlns:p14="http://schemas.microsoft.com/office/powerpoint/2010/main" val="3560607386"/>
+        <p14:creationId xmlns:p14="http://schemas.microsoft.com/office/powerpoint/2010/main" val="527800070"/>
       </p:ext>
     </p:extLst>
   </p:cSld>
@@ -2588,7 +2589,7 @@
 </p:notes>
 </file>
 
-<file path=ppt/notesSlides/notesSlide9.xml><?xml version="1.0" encoding="utf-8"?>
+<file path=ppt/notesSlides/notesSlide8.xml><?xml version="1.0" encoding="utf-8"?>
 <p:notes xmlns:a="http://schemas.openxmlformats.org/drawingml/2006/main" xmlns:r="http://schemas.openxmlformats.org/officeDocument/2006/relationships" xmlns:p="http://schemas.openxmlformats.org/presentationml/2006/main" showMasterSp="0" showMasterPhAnim="0">
   <p:cSld>
     <p:spTree>
@@ -2753,6 +2754,198 @@
                 <a:cs typeface="Calibri"/>
                 <a:sym typeface="Calibri"/>
               </a:rPr>
+              <a:t>9</a:t>
+            </a:fld>
+            <a:endParaRPr lang="en-US" sz="1200">
+              <a:solidFill>
+                <a:schemeClr val="dk1"/>
+              </a:solidFill>
+              <a:latin typeface="Calibri"/>
+              <a:ea typeface="Calibri"/>
+              <a:cs typeface="Calibri"/>
+              <a:sym typeface="Calibri"/>
+            </a:endParaRPr>
+          </a:p>
+        </p:txBody>
+      </p:sp>
+    </p:spTree>
+    <p:extLst>
+      <p:ext uri="{BB962C8B-B14F-4D97-AF65-F5344CB8AC3E}">
+        <p14:creationId xmlns:p14="http://schemas.microsoft.com/office/powerpoint/2010/main" val="3560607386"/>
+      </p:ext>
+    </p:extLst>
+  </p:cSld>
+  <p:clrMapOvr>
+    <a:masterClrMapping/>
+  </p:clrMapOvr>
+</p:notes>
+</file>
+
+<file path=ppt/notesSlides/notesSlide9.xml><?xml version="1.0" encoding="utf-8"?>
+<p:notes xmlns:a="http://schemas.openxmlformats.org/drawingml/2006/main" xmlns:r="http://schemas.openxmlformats.org/officeDocument/2006/relationships" xmlns:p="http://schemas.openxmlformats.org/presentationml/2006/main" showMasterSp="0" showMasterPhAnim="0">
+  <p:cSld>
+    <p:spTree>
+      <p:nvGrpSpPr>
+        <p:cNvPr id="1" name="Shape 96"/>
+        <p:cNvGrpSpPr/>
+        <p:nvPr/>
+      </p:nvGrpSpPr>
+      <p:grpSpPr>
+        <a:xfrm>
+          <a:off x="0" y="0"/>
+          <a:ext cx="0" cy="0"/>
+          <a:chOff x="0" y="0"/>
+          <a:chExt cx="0" cy="0"/>
+        </a:xfrm>
+      </p:grpSpPr>
+      <p:sp>
+        <p:nvSpPr>
+          <p:cNvPr id="97" name="Shape 97"/>
+          <p:cNvSpPr>
+            <a:spLocks noGrp="1" noRot="1" noChangeAspect="1"/>
+          </p:cNvSpPr>
+          <p:nvPr>
+            <p:ph type="sldImg" idx="2"/>
+          </p:nvPr>
+        </p:nvSpPr>
+        <p:spPr>
+          <a:xfrm>
+            <a:off x="381000" y="685800"/>
+            <a:ext cx="6096000" cy="3429000"/>
+          </a:xfrm>
+          <a:custGeom>
+            <a:avLst/>
+            <a:gdLst/>
+            <a:ahLst/>
+            <a:cxnLst/>
+            <a:rect l="0" t="0" r="0" b="0"/>
+            <a:pathLst>
+              <a:path w="120000" h="120000" extrusionOk="0">
+                <a:moveTo>
+                  <a:pt x="0" y="0"/>
+                </a:moveTo>
+                <a:lnTo>
+                  <a:pt x="120000" y="0"/>
+                </a:lnTo>
+                <a:lnTo>
+                  <a:pt x="120000" y="120000"/>
+                </a:lnTo>
+                <a:lnTo>
+                  <a:pt x="0" y="120000"/>
+                </a:lnTo>
+                <a:close/>
+              </a:path>
+            </a:pathLst>
+          </a:custGeom>
+          <a:noFill/>
+          <a:ln w="12700" cap="flat" cmpd="sng">
+            <a:solidFill>
+              <a:srgbClr val="000000"/>
+            </a:solidFill>
+            <a:prstDash val="solid"/>
+            <a:round/>
+            <a:headEnd type="none" w="med" len="med"/>
+            <a:tailEnd type="none" w="med" len="med"/>
+          </a:ln>
+        </p:spPr>
+      </p:sp>
+      <p:sp>
+        <p:nvSpPr>
+          <p:cNvPr id="98" name="Shape 98"/>
+          <p:cNvSpPr txBox="1">
+            <a:spLocks noGrp="1"/>
+          </p:cNvSpPr>
+          <p:nvPr>
+            <p:ph type="body" idx="1"/>
+          </p:nvPr>
+        </p:nvSpPr>
+        <p:spPr>
+          <a:xfrm>
+            <a:off x="685800" y="4343400"/>
+            <a:ext cx="5486399" cy="4114800"/>
+          </a:xfrm>
+          <a:prstGeom prst="rect">
+            <a:avLst/>
+          </a:prstGeom>
+          <a:noFill/>
+          <a:ln>
+            <a:noFill/>
+          </a:ln>
+        </p:spPr>
+        <p:txBody>
+          <a:bodyPr lIns="91425" tIns="45700" rIns="91425" bIns="45700" anchor="t" anchorCtr="0">
+            <a:noAutofit/>
+          </a:bodyPr>
+          <a:lstStyle/>
+          <a:p>
+            <a:pPr marL="0" marR="0" lvl="0" indent="0" algn="l" rtl="0">
+              <a:spcBef>
+                <a:spcPts val="0"/>
+              </a:spcBef>
+              <a:buSzPct val="25000"/>
+              <a:buNone/>
+            </a:pPr>
+            <a:r>
+              <a:rPr lang="en-US" sz="1200" b="0" i="0" u="none" strike="noStrike" cap="none">
+                <a:solidFill>
+                  <a:schemeClr val="dk1"/>
+                </a:solidFill>
+                <a:latin typeface="Calibri"/>
+                <a:ea typeface="Calibri"/>
+                <a:cs typeface="Calibri"/>
+                <a:sym typeface="Calibri"/>
+              </a:rPr>
+              <a:t>Alternative hypothesis is usually what you’re trying to prove.</a:t>
+            </a:r>
+          </a:p>
+        </p:txBody>
+      </p:sp>
+      <p:sp>
+        <p:nvSpPr>
+          <p:cNvPr id="99" name="Shape 99"/>
+          <p:cNvSpPr txBox="1">
+            <a:spLocks noGrp="1"/>
+          </p:cNvSpPr>
+          <p:nvPr>
+            <p:ph type="sldNum" idx="12"/>
+          </p:nvPr>
+        </p:nvSpPr>
+        <p:spPr>
+          <a:xfrm>
+            <a:off x="3884612" y="8685213"/>
+            <a:ext cx="2971799" cy="457200"/>
+          </a:xfrm>
+          <a:prstGeom prst="rect">
+            <a:avLst/>
+          </a:prstGeom>
+          <a:noFill/>
+          <a:ln>
+            <a:noFill/>
+          </a:ln>
+        </p:spPr>
+        <p:txBody>
+          <a:bodyPr lIns="91425" tIns="45700" rIns="91425" bIns="45700" anchor="b" anchorCtr="0">
+            <a:noAutofit/>
+          </a:bodyPr>
+          <a:lstStyle/>
+          <a:p>
+            <a:pPr marL="0" marR="0" lvl="0" indent="0" algn="r" rtl="0">
+              <a:spcBef>
+                <a:spcPts val="0"/>
+              </a:spcBef>
+              <a:buSzPct val="25000"/>
+              <a:buNone/>
+            </a:pPr>
+            <a:fld id="{00000000-1234-1234-1234-123412341234}" type="slidenum">
+              <a:rPr lang="en-US" sz="1200">
+                <a:solidFill>
+                  <a:schemeClr val="dk1"/>
+                </a:solidFill>
+                <a:latin typeface="Calibri"/>
+                <a:ea typeface="Calibri"/>
+                <a:cs typeface="Calibri"/>
+                <a:sym typeface="Calibri"/>
+              </a:rPr>
               <a:t>10</a:t>
             </a:fld>
             <a:endParaRPr lang="en-US" sz="1200">
@@ -2965,7 +3158,7 @@
           <a:p>
             <a:fld id="{93C8B963-0F36-48FC-991E-AA63861DA924}" type="datetimeFigureOut">
               <a:rPr lang="en-US" smtClean="0"/>
-              <a:t>11/3/2022</a:t>
+              <a:t>11/7/2023</a:t>
             </a:fld>
             <a:endParaRPr lang="en-US"/>
           </a:p>
@@ -3263,7 +3456,7 @@
           <a:p>
             <a:fld id="{93C8B963-0F36-48FC-991E-AA63861DA924}" type="datetimeFigureOut">
               <a:rPr lang="en-US" smtClean="0"/>
-              <a:t>11/3/2022</a:t>
+              <a:t>11/7/2023</a:t>
             </a:fld>
             <a:endParaRPr lang="en-US"/>
           </a:p>
@@ -3455,7 +3648,7 @@
           <a:p>
             <a:fld id="{93C8B963-0F36-48FC-991E-AA63861DA924}" type="datetimeFigureOut">
               <a:rPr lang="en-US" smtClean="0"/>
-              <a:t>11/3/2022</a:t>
+              <a:t>11/7/2023</a:t>
             </a:fld>
             <a:endParaRPr lang="en-US"/>
           </a:p>
@@ -3716,7 +3909,7 @@
           <a:p>
             <a:fld id="{93C8B963-0F36-48FC-991E-AA63861DA924}" type="datetimeFigureOut">
               <a:rPr lang="en-US" smtClean="0"/>
-              <a:t>11/3/2022</a:t>
+              <a:t>11/7/2023</a:t>
             </a:fld>
             <a:endParaRPr lang="en-US"/>
           </a:p>
@@ -4140,7 +4333,7 @@
           <a:p>
             <a:fld id="{93C8B963-0F36-48FC-991E-AA63861DA924}" type="datetimeFigureOut">
               <a:rPr lang="en-US" smtClean="0"/>
-              <a:t>11/3/2022</a:t>
+              <a:t>11/7/2023</a:t>
             </a:fld>
             <a:endParaRPr lang="en-US"/>
           </a:p>
@@ -4677,7 +4870,7 @@
           <a:p>
             <a:fld id="{93C8B963-0F36-48FC-991E-AA63861DA924}" type="datetimeFigureOut">
               <a:rPr lang="en-US" smtClean="0"/>
-              <a:t>11/3/2022</a:t>
+              <a:t>11/7/2023</a:t>
             </a:fld>
             <a:endParaRPr lang="en-US"/>
           </a:p>
@@ -5541,7 +5734,7 @@
           <a:p>
             <a:fld id="{93C8B963-0F36-48FC-991E-AA63861DA924}" type="datetimeFigureOut">
               <a:rPr lang="en-US" smtClean="0"/>
-              <a:t>11/3/2022</a:t>
+              <a:t>11/7/2023</a:t>
             </a:fld>
             <a:endParaRPr lang="en-US"/>
           </a:p>
@@ -5711,7 +5904,7 @@
           <a:p>
             <a:fld id="{93C8B963-0F36-48FC-991E-AA63861DA924}" type="datetimeFigureOut">
               <a:rPr lang="en-US" smtClean="0"/>
-              <a:t>11/3/2022</a:t>
+              <a:t>11/7/2023</a:t>
             </a:fld>
             <a:endParaRPr lang="en-US"/>
           </a:p>
@@ -5895,7 +6088,7 @@
           <a:p>
             <a:fld id="{93C8B963-0F36-48FC-991E-AA63861DA924}" type="datetimeFigureOut">
               <a:rPr lang="en-US" smtClean="0"/>
-              <a:t>11/3/2022</a:t>
+              <a:t>11/7/2023</a:t>
             </a:fld>
             <a:endParaRPr lang="en-US"/>
           </a:p>
@@ -6065,7 +6258,7 @@
           <a:p>
             <a:fld id="{93C8B963-0F36-48FC-991E-AA63861DA924}" type="datetimeFigureOut">
               <a:rPr lang="en-US" smtClean="0"/>
-              <a:t>11/3/2022</a:t>
+              <a:t>11/7/2023</a:t>
             </a:fld>
             <a:endParaRPr lang="en-US"/>
           </a:p>
@@ -6309,7 +6502,7 @@
           <a:p>
             <a:fld id="{93C8B963-0F36-48FC-991E-AA63861DA924}" type="datetimeFigureOut">
               <a:rPr lang="en-US" smtClean="0"/>
-              <a:t>11/3/2022</a:t>
+              <a:t>11/7/2023</a:t>
             </a:fld>
             <a:endParaRPr lang="en-US"/>
           </a:p>
@@ -6545,7 +6738,7 @@
           <a:p>
             <a:fld id="{93C8B963-0F36-48FC-991E-AA63861DA924}" type="datetimeFigureOut">
               <a:rPr lang="en-US" smtClean="0"/>
-              <a:t>11/3/2022</a:t>
+              <a:t>11/7/2023</a:t>
             </a:fld>
             <a:endParaRPr lang="en-US"/>
           </a:p>
@@ -7011,7 +7204,7 @@
           <a:p>
             <a:fld id="{93C8B963-0F36-48FC-991E-AA63861DA924}" type="datetimeFigureOut">
               <a:rPr lang="en-US" smtClean="0"/>
-              <a:t>11/3/2022</a:t>
+              <a:t>11/7/2023</a:t>
             </a:fld>
             <a:endParaRPr lang="en-US"/>
           </a:p>
@@ -7129,7 +7322,7 @@
           <a:p>
             <a:fld id="{93C8B963-0F36-48FC-991E-AA63861DA924}" type="datetimeFigureOut">
               <a:rPr lang="en-US" smtClean="0"/>
-              <a:t>11/3/2022</a:t>
+              <a:t>11/7/2023</a:t>
             </a:fld>
             <a:endParaRPr lang="en-US"/>
           </a:p>
@@ -7224,7 +7417,7 @@
           <a:p>
             <a:fld id="{93C8B963-0F36-48FC-991E-AA63861DA924}" type="datetimeFigureOut">
               <a:rPr lang="en-US" smtClean="0"/>
-              <a:t>11/3/2022</a:t>
+              <a:t>11/7/2023</a:t>
             </a:fld>
             <a:endParaRPr lang="en-US"/>
           </a:p>
@@ -7479,7 +7672,7 @@
           <a:p>
             <a:fld id="{93C8B963-0F36-48FC-991E-AA63861DA924}" type="datetimeFigureOut">
               <a:rPr lang="en-US" smtClean="0"/>
-              <a:t>11/3/2022</a:t>
+              <a:t>11/7/2023</a:t>
             </a:fld>
             <a:endParaRPr lang="en-US"/>
           </a:p>
@@ -7779,7 +7972,7 @@
           <a:p>
             <a:fld id="{93C8B963-0F36-48FC-991E-AA63861DA924}" type="datetimeFigureOut">
               <a:rPr lang="en-US" smtClean="0"/>
-              <a:t>11/3/2022</a:t>
+              <a:t>11/7/2023</a:t>
             </a:fld>
             <a:endParaRPr lang="en-US"/>
           </a:p>
@@ -8013,7 +8206,7 @@
           <a:p>
             <a:fld id="{93C8B963-0F36-48FC-991E-AA63861DA924}" type="datetimeFigureOut">
               <a:rPr lang="en-US" smtClean="0"/>
-              <a:t>11/3/2022</a:t>
+              <a:t>11/7/2023</a:t>
             </a:fld>
             <a:endParaRPr lang="en-US"/>
           </a:p>
@@ -9429,6 +9622,173 @@
 </p:sld>
 </file>
 
+<file path=ppt/slides/slide14.xml><?xml version="1.0" encoding="utf-8"?>
+<p:sld xmlns:a="http://schemas.openxmlformats.org/drawingml/2006/main" xmlns:r="http://schemas.openxmlformats.org/officeDocument/2006/relationships" xmlns:p="http://schemas.openxmlformats.org/presentationml/2006/main">
+  <p:cSld>
+    <p:spTree>
+      <p:nvGrpSpPr>
+        <p:cNvPr id="1" name="Shape 100"/>
+        <p:cNvGrpSpPr/>
+        <p:nvPr/>
+      </p:nvGrpSpPr>
+      <p:grpSpPr>
+        <a:xfrm>
+          <a:off x="0" y="0"/>
+          <a:ext cx="0" cy="0"/>
+          <a:chOff x="0" y="0"/>
+          <a:chExt cx="0" cy="0"/>
+        </a:xfrm>
+      </p:grpSpPr>
+      <p:sp>
+        <p:nvSpPr>
+          <p:cNvPr id="6" name="Shape 101">
+            <a:extLst>
+              <a:ext uri="{FF2B5EF4-FFF2-40B4-BE49-F238E27FC236}">
+                <a16:creationId xmlns:a16="http://schemas.microsoft.com/office/drawing/2014/main" id="{6E82EB7D-8D71-4CFF-A93D-A734763EFEF7}"/>
+              </a:ext>
+            </a:extLst>
+          </p:cNvPr>
+          <p:cNvSpPr txBox="1"/>
+          <p:nvPr/>
+        </p:nvSpPr>
+        <p:spPr>
+          <a:xfrm>
+            <a:off x="177553" y="200501"/>
+            <a:ext cx="10695963" cy="584700"/>
+          </a:xfrm>
+          <a:prstGeom prst="rect">
+            <a:avLst/>
+          </a:prstGeom>
+          <a:noFill/>
+          <a:ln>
+            <a:noFill/>
+          </a:ln>
+        </p:spPr>
+        <p:txBody>
+          <a:bodyPr lIns="91425" tIns="45700" rIns="91425" bIns="45700" anchor="t" anchorCtr="0">
+            <a:noAutofit/>
+          </a:bodyPr>
+          <a:lstStyle/>
+          <a:p>
+            <a:pPr>
+              <a:buSzPct val="25000"/>
+            </a:pPr>
+            <a:r>
+              <a:rPr lang="en-US" sz="4000" b="1" dirty="0">
+                <a:latin typeface="+mj-lt"/>
+                <a:ea typeface="Gill Sans MT"/>
+                <a:cs typeface="Gill Sans MT"/>
+                <a:sym typeface="Gill Sans MT"/>
+              </a:rPr>
+              <a:t>What tests have we covered?</a:t>
+            </a:r>
+          </a:p>
+        </p:txBody>
+      </p:sp>
+      <p:sp>
+        <p:nvSpPr>
+          <p:cNvPr id="2" name="Rectangle 1">
+            <a:extLst>
+              <a:ext uri="{FF2B5EF4-FFF2-40B4-BE49-F238E27FC236}">
+                <a16:creationId xmlns:a16="http://schemas.microsoft.com/office/drawing/2014/main" id="{3D751B92-4161-48C8-A39C-E6863EA9FF89}"/>
+              </a:ext>
+            </a:extLst>
+          </p:cNvPr>
+          <p:cNvSpPr/>
+          <p:nvPr/>
+        </p:nvSpPr>
+        <p:spPr>
+          <a:xfrm>
+            <a:off x="595564" y="1115215"/>
+            <a:ext cx="10812664" cy="5078313"/>
+          </a:xfrm>
+          <a:prstGeom prst="rect">
+            <a:avLst/>
+          </a:prstGeom>
+        </p:spPr>
+        <p:txBody>
+          <a:bodyPr wrap="square">
+            <a:spAutoFit/>
+          </a:bodyPr>
+          <a:lstStyle/>
+          <a:p>
+            <a:pPr marL="285750" indent="-285750">
+              <a:buFont typeface="Arial" panose="020B0604020202020204" pitchFamily="34" charset="0"/>
+              <a:buChar char="•"/>
+            </a:pPr>
+            <a:r>
+              <a:rPr lang="en-US" sz="3600" dirty="0"/>
+              <a:t>T-tests: One-sample, Two-sample, Paired, non-parametric</a:t>
+            </a:r>
+          </a:p>
+          <a:p>
+            <a:pPr marL="285750" indent="-285750">
+              <a:buFont typeface="Arial" panose="020B0604020202020204" pitchFamily="34" charset="0"/>
+              <a:buChar char="•"/>
+            </a:pPr>
+            <a:r>
+              <a:rPr lang="en-US" sz="3600" dirty="0"/>
+              <a:t>Chi-square</a:t>
+            </a:r>
+          </a:p>
+          <a:p>
+            <a:pPr marL="285750" indent="-285750">
+              <a:buFont typeface="Arial" panose="020B0604020202020204" pitchFamily="34" charset="0"/>
+              <a:buChar char="•"/>
+            </a:pPr>
+            <a:r>
+              <a:rPr lang="en-US" sz="3600" dirty="0"/>
+              <a:t>ANOVA</a:t>
+            </a:r>
+          </a:p>
+          <a:p>
+            <a:pPr marL="285750" indent="-285750">
+              <a:buFont typeface="Arial" panose="020B0604020202020204" pitchFamily="34" charset="0"/>
+              <a:buChar char="•"/>
+            </a:pPr>
+            <a:r>
+              <a:rPr lang="en-US" sz="3600" dirty="0"/>
+              <a:t>Correlation</a:t>
+            </a:r>
+          </a:p>
+          <a:p>
+            <a:pPr marL="285750" indent="-285750">
+              <a:buFont typeface="Arial" panose="020B0604020202020204" pitchFamily="34" charset="0"/>
+              <a:buChar char="•"/>
+            </a:pPr>
+            <a:r>
+              <a:rPr lang="en-US" sz="3600" dirty="0"/>
+              <a:t>Regression</a:t>
+            </a:r>
+          </a:p>
+          <a:p>
+            <a:pPr marL="285750" indent="-285750">
+              <a:buFont typeface="Arial" panose="020B0604020202020204" pitchFamily="34" charset="0"/>
+              <a:buChar char="•"/>
+            </a:pPr>
+            <a:endParaRPr lang="en-US" sz="3600" dirty="0"/>
+          </a:p>
+          <a:p>
+            <a:r>
+              <a:rPr lang="en-US" sz="3600" dirty="0"/>
+              <a:t>In pairs or on your own: Come up with a research question that can be answered by one of these tests. </a:t>
+            </a:r>
+          </a:p>
+        </p:txBody>
+      </p:sp>
+    </p:spTree>
+    <p:extLst>
+      <p:ext uri="{BB962C8B-B14F-4D97-AF65-F5344CB8AC3E}">
+        <p14:creationId xmlns:p14="http://schemas.microsoft.com/office/powerpoint/2010/main" val="2304723531"/>
+      </p:ext>
+    </p:extLst>
+  </p:cSld>
+  <p:clrMapOvr>
+    <a:masterClrMapping/>
+  </p:clrMapOvr>
+</p:sld>
+</file>
+
 <file path=ppt/slides/slide2.xml><?xml version="1.0" encoding="utf-8"?>
 <p:sld xmlns:a="http://schemas.openxmlformats.org/drawingml/2006/main" xmlns:r="http://schemas.openxmlformats.org/officeDocument/2006/relationships" xmlns:p="http://schemas.openxmlformats.org/presentationml/2006/main">
   <p:cSld>

--- a/in_class_slides/geog4300_W12-1 Test review; Multivariate regression.pptx
+++ b/in_class_slides/geog4300_W12-1 Test review; Multivariate regression.pptx
@@ -5,7 +5,7 @@
     <p:sldMasterId id="2147483660" r:id="rId1"/>
   </p:sldMasterIdLst>
   <p:notesMasterIdLst>
-    <p:notesMasterId r:id="rId13"/>
+    <p:notesMasterId r:id="rId14"/>
   </p:notesMasterIdLst>
   <p:sldIdLst>
     <p:sldId id="256" r:id="rId2"/>
@@ -17,8 +17,9 @@
     <p:sldId id="320" r:id="rId8"/>
     <p:sldId id="324" r:id="rId9"/>
     <p:sldId id="325" r:id="rId10"/>
-    <p:sldId id="328" r:id="rId11"/>
-    <p:sldId id="314" r:id="rId12"/>
+    <p:sldId id="329" r:id="rId11"/>
+    <p:sldId id="328" r:id="rId12"/>
+    <p:sldId id="314" r:id="rId13"/>
   </p:sldIdLst>
   <p:sldSz cx="12192000" cy="6858000"/>
   <p:notesSz cx="6858000" cy="9144000"/>
@@ -207,7 +208,7 @@
           <a:p>
             <a:fld id="{F1C23026-85D4-48E8-9219-18000F688023}" type="datetimeFigureOut">
               <a:rPr lang="en-US" smtClean="0"/>
-              <a:t>11/10/2024</a:t>
+              <a:t>11/12/2024</a:t>
             </a:fld>
             <a:endParaRPr lang="en-US"/>
           </a:p>
@@ -848,7 +849,7 @@
     </p:spTree>
     <p:extLst>
       <p:ext uri="{BB962C8B-B14F-4D97-AF65-F5344CB8AC3E}">
-        <p14:creationId xmlns:p14="http://schemas.microsoft.com/office/powerpoint/2010/main" val="1117073594"/>
+        <p14:creationId xmlns:p14="http://schemas.microsoft.com/office/powerpoint/2010/main" val="359524832"/>
       </p:ext>
     </p:extLst>
   </p:cSld>
@@ -858,7 +859,7 @@
 </p:notes>
 </file>
 
-<file path=ppt/notesSlides/notesSlide2.xml><?xml version="1.0" encoding="utf-8"?>
+<file path=ppt/notesSlides/notesSlide11.xml><?xml version="1.0" encoding="utf-8"?>
 <p:notes xmlns:a="http://schemas.openxmlformats.org/drawingml/2006/main" xmlns:r="http://schemas.openxmlformats.org/officeDocument/2006/relationships" xmlns:p="http://schemas.openxmlformats.org/presentationml/2006/main" showMasterSp="0" showMasterPhAnim="0">
   <p:cSld>
     <p:spTree>
@@ -1023,7 +1024,7 @@
                 <a:cs typeface="Calibri"/>
                 <a:sym typeface="Calibri"/>
               </a:rPr>
-              <a:t>3</a:t>
+              <a:t>12</a:t>
             </a:fld>
             <a:endParaRPr lang="en-US" sz="1200">
               <a:solidFill>
@@ -1040,7 +1041,7 @@
     </p:spTree>
     <p:extLst>
       <p:ext uri="{BB962C8B-B14F-4D97-AF65-F5344CB8AC3E}">
-        <p14:creationId xmlns:p14="http://schemas.microsoft.com/office/powerpoint/2010/main" val="3495299722"/>
+        <p14:creationId xmlns:p14="http://schemas.microsoft.com/office/powerpoint/2010/main" val="1117073594"/>
       </p:ext>
     </p:extLst>
   </p:cSld>
@@ -1050,7 +1051,7 @@
 </p:notes>
 </file>
 
-<file path=ppt/notesSlides/notesSlide3.xml><?xml version="1.0" encoding="utf-8"?>
+<file path=ppt/notesSlides/notesSlide2.xml><?xml version="1.0" encoding="utf-8"?>
 <p:notes xmlns:a="http://schemas.openxmlformats.org/drawingml/2006/main" xmlns:r="http://schemas.openxmlformats.org/officeDocument/2006/relationships" xmlns:p="http://schemas.openxmlformats.org/presentationml/2006/main" showMasterSp="0" showMasterPhAnim="0">
   <p:cSld>
     <p:spTree>
@@ -1215,7 +1216,7 @@
                 <a:cs typeface="Calibri"/>
                 <a:sym typeface="Calibri"/>
               </a:rPr>
-              <a:t>4</a:t>
+              <a:t>3</a:t>
             </a:fld>
             <a:endParaRPr lang="en-US" sz="1200">
               <a:solidFill>
@@ -1232,7 +1233,7 @@
     </p:spTree>
     <p:extLst>
       <p:ext uri="{BB962C8B-B14F-4D97-AF65-F5344CB8AC3E}">
-        <p14:creationId xmlns:p14="http://schemas.microsoft.com/office/powerpoint/2010/main" val="2143336257"/>
+        <p14:creationId xmlns:p14="http://schemas.microsoft.com/office/powerpoint/2010/main" val="3495299722"/>
       </p:ext>
     </p:extLst>
   </p:cSld>
@@ -1242,7 +1243,7 @@
 </p:notes>
 </file>
 
-<file path=ppt/notesSlides/notesSlide4.xml><?xml version="1.0" encoding="utf-8"?>
+<file path=ppt/notesSlides/notesSlide3.xml><?xml version="1.0" encoding="utf-8"?>
 <p:notes xmlns:a="http://schemas.openxmlformats.org/drawingml/2006/main" xmlns:r="http://schemas.openxmlformats.org/officeDocument/2006/relationships" xmlns:p="http://schemas.openxmlformats.org/presentationml/2006/main" showMasterSp="0" showMasterPhAnim="0">
   <p:cSld>
     <p:spTree>
@@ -1407,7 +1408,7 @@
                 <a:cs typeface="Calibri"/>
                 <a:sym typeface="Calibri"/>
               </a:rPr>
-              <a:t>5</a:t>
+              <a:t>4</a:t>
             </a:fld>
             <a:endParaRPr lang="en-US" sz="1200">
               <a:solidFill>
@@ -1424,7 +1425,7 @@
     </p:spTree>
     <p:extLst>
       <p:ext uri="{BB962C8B-B14F-4D97-AF65-F5344CB8AC3E}">
-        <p14:creationId xmlns:p14="http://schemas.microsoft.com/office/powerpoint/2010/main" val="1066753982"/>
+        <p14:creationId xmlns:p14="http://schemas.microsoft.com/office/powerpoint/2010/main" val="2143336257"/>
       </p:ext>
     </p:extLst>
   </p:cSld>
@@ -1434,7 +1435,7 @@
 </p:notes>
 </file>
 
-<file path=ppt/notesSlides/notesSlide5.xml><?xml version="1.0" encoding="utf-8"?>
+<file path=ppt/notesSlides/notesSlide4.xml><?xml version="1.0" encoding="utf-8"?>
 <p:notes xmlns:a="http://schemas.openxmlformats.org/drawingml/2006/main" xmlns:r="http://schemas.openxmlformats.org/officeDocument/2006/relationships" xmlns:p="http://schemas.openxmlformats.org/presentationml/2006/main" showMasterSp="0" showMasterPhAnim="0">
   <p:cSld>
     <p:spTree>
@@ -1599,7 +1600,7 @@
                 <a:cs typeface="Calibri"/>
                 <a:sym typeface="Calibri"/>
               </a:rPr>
-              <a:t>6</a:t>
+              <a:t>5</a:t>
             </a:fld>
             <a:endParaRPr lang="en-US" sz="1200">
               <a:solidFill>
@@ -1616,7 +1617,7 @@
     </p:spTree>
     <p:extLst>
       <p:ext uri="{BB962C8B-B14F-4D97-AF65-F5344CB8AC3E}">
-        <p14:creationId xmlns:p14="http://schemas.microsoft.com/office/powerpoint/2010/main" val="1486740573"/>
+        <p14:creationId xmlns:p14="http://schemas.microsoft.com/office/powerpoint/2010/main" val="1066753982"/>
       </p:ext>
     </p:extLst>
   </p:cSld>
@@ -1626,7 +1627,7 @@
 </p:notes>
 </file>
 
-<file path=ppt/notesSlides/notesSlide6.xml><?xml version="1.0" encoding="utf-8"?>
+<file path=ppt/notesSlides/notesSlide5.xml><?xml version="1.0" encoding="utf-8"?>
 <p:notes xmlns:a="http://schemas.openxmlformats.org/drawingml/2006/main" xmlns:r="http://schemas.openxmlformats.org/officeDocument/2006/relationships" xmlns:p="http://schemas.openxmlformats.org/presentationml/2006/main" showMasterSp="0" showMasterPhAnim="0">
   <p:cSld>
     <p:spTree>
@@ -1791,7 +1792,7 @@
                 <a:cs typeface="Calibri"/>
                 <a:sym typeface="Calibri"/>
               </a:rPr>
-              <a:t>7</a:t>
+              <a:t>6</a:t>
             </a:fld>
             <a:endParaRPr lang="en-US" sz="1200">
               <a:solidFill>
@@ -1808,7 +1809,7 @@
     </p:spTree>
     <p:extLst>
       <p:ext uri="{BB962C8B-B14F-4D97-AF65-F5344CB8AC3E}">
-        <p14:creationId xmlns:p14="http://schemas.microsoft.com/office/powerpoint/2010/main" val="3234651381"/>
+        <p14:creationId xmlns:p14="http://schemas.microsoft.com/office/powerpoint/2010/main" val="1486740573"/>
       </p:ext>
     </p:extLst>
   </p:cSld>
@@ -1818,7 +1819,7 @@
 </p:notes>
 </file>
 
-<file path=ppt/notesSlides/notesSlide7.xml><?xml version="1.0" encoding="utf-8"?>
+<file path=ppt/notesSlides/notesSlide6.xml><?xml version="1.0" encoding="utf-8"?>
 <p:notes xmlns:a="http://schemas.openxmlformats.org/drawingml/2006/main" xmlns:r="http://schemas.openxmlformats.org/officeDocument/2006/relationships" xmlns:p="http://schemas.openxmlformats.org/presentationml/2006/main" showMasterSp="0" showMasterPhAnim="0">
   <p:cSld>
     <p:spTree>
@@ -1983,7 +1984,7 @@
                 <a:cs typeface="Calibri"/>
                 <a:sym typeface="Calibri"/>
               </a:rPr>
-              <a:t>8</a:t>
+              <a:t>7</a:t>
             </a:fld>
             <a:endParaRPr lang="en-US" sz="1200">
               <a:solidFill>
@@ -2000,7 +2001,7 @@
     </p:spTree>
     <p:extLst>
       <p:ext uri="{BB962C8B-B14F-4D97-AF65-F5344CB8AC3E}">
-        <p14:creationId xmlns:p14="http://schemas.microsoft.com/office/powerpoint/2010/main" val="527800070"/>
+        <p14:creationId xmlns:p14="http://schemas.microsoft.com/office/powerpoint/2010/main" val="3234651381"/>
       </p:ext>
     </p:extLst>
   </p:cSld>
@@ -2010,7 +2011,7 @@
 </p:notes>
 </file>
 
-<file path=ppt/notesSlides/notesSlide8.xml><?xml version="1.0" encoding="utf-8"?>
+<file path=ppt/notesSlides/notesSlide7.xml><?xml version="1.0" encoding="utf-8"?>
 <p:notes xmlns:a="http://schemas.openxmlformats.org/drawingml/2006/main" xmlns:r="http://schemas.openxmlformats.org/officeDocument/2006/relationships" xmlns:p="http://schemas.openxmlformats.org/presentationml/2006/main" showMasterSp="0" showMasterPhAnim="0">
   <p:cSld>
     <p:spTree>
@@ -2175,7 +2176,7 @@
                 <a:cs typeface="Calibri"/>
                 <a:sym typeface="Calibri"/>
               </a:rPr>
-              <a:t>9</a:t>
+              <a:t>8</a:t>
             </a:fld>
             <a:endParaRPr lang="en-US" sz="1200">
               <a:solidFill>
@@ -2192,7 +2193,7 @@
     </p:spTree>
     <p:extLst>
       <p:ext uri="{BB962C8B-B14F-4D97-AF65-F5344CB8AC3E}">
-        <p14:creationId xmlns:p14="http://schemas.microsoft.com/office/powerpoint/2010/main" val="3560607386"/>
+        <p14:creationId xmlns:p14="http://schemas.microsoft.com/office/powerpoint/2010/main" val="527800070"/>
       </p:ext>
     </p:extLst>
   </p:cSld>
@@ -2202,7 +2203,7 @@
 </p:notes>
 </file>
 
-<file path=ppt/notesSlides/notesSlide9.xml><?xml version="1.0" encoding="utf-8"?>
+<file path=ppt/notesSlides/notesSlide8.xml><?xml version="1.0" encoding="utf-8"?>
 <p:notes xmlns:a="http://schemas.openxmlformats.org/drawingml/2006/main" xmlns:r="http://schemas.openxmlformats.org/officeDocument/2006/relationships" xmlns:p="http://schemas.openxmlformats.org/presentationml/2006/main" showMasterSp="0" showMasterPhAnim="0">
   <p:cSld>
     <p:spTree>
@@ -2367,6 +2368,198 @@
                 <a:cs typeface="Calibri"/>
                 <a:sym typeface="Calibri"/>
               </a:rPr>
+              <a:t>9</a:t>
+            </a:fld>
+            <a:endParaRPr lang="en-US" sz="1200">
+              <a:solidFill>
+                <a:schemeClr val="dk1"/>
+              </a:solidFill>
+              <a:latin typeface="Calibri"/>
+              <a:ea typeface="Calibri"/>
+              <a:cs typeface="Calibri"/>
+              <a:sym typeface="Calibri"/>
+            </a:endParaRPr>
+          </a:p>
+        </p:txBody>
+      </p:sp>
+    </p:spTree>
+    <p:extLst>
+      <p:ext uri="{BB962C8B-B14F-4D97-AF65-F5344CB8AC3E}">
+        <p14:creationId xmlns:p14="http://schemas.microsoft.com/office/powerpoint/2010/main" val="3560607386"/>
+      </p:ext>
+    </p:extLst>
+  </p:cSld>
+  <p:clrMapOvr>
+    <a:masterClrMapping/>
+  </p:clrMapOvr>
+</p:notes>
+</file>
+
+<file path=ppt/notesSlides/notesSlide9.xml><?xml version="1.0" encoding="utf-8"?>
+<p:notes xmlns:a="http://schemas.openxmlformats.org/drawingml/2006/main" xmlns:r="http://schemas.openxmlformats.org/officeDocument/2006/relationships" xmlns:p="http://schemas.openxmlformats.org/presentationml/2006/main" showMasterSp="0" showMasterPhAnim="0">
+  <p:cSld>
+    <p:spTree>
+      <p:nvGrpSpPr>
+        <p:cNvPr id="1" name="Shape 96"/>
+        <p:cNvGrpSpPr/>
+        <p:nvPr/>
+      </p:nvGrpSpPr>
+      <p:grpSpPr>
+        <a:xfrm>
+          <a:off x="0" y="0"/>
+          <a:ext cx="0" cy="0"/>
+          <a:chOff x="0" y="0"/>
+          <a:chExt cx="0" cy="0"/>
+        </a:xfrm>
+      </p:grpSpPr>
+      <p:sp>
+        <p:nvSpPr>
+          <p:cNvPr id="97" name="Shape 97"/>
+          <p:cNvSpPr>
+            <a:spLocks noGrp="1" noRot="1" noChangeAspect="1"/>
+          </p:cNvSpPr>
+          <p:nvPr>
+            <p:ph type="sldImg" idx="2"/>
+          </p:nvPr>
+        </p:nvSpPr>
+        <p:spPr>
+          <a:xfrm>
+            <a:off x="381000" y="685800"/>
+            <a:ext cx="6096000" cy="3429000"/>
+          </a:xfrm>
+          <a:custGeom>
+            <a:avLst/>
+            <a:gdLst/>
+            <a:ahLst/>
+            <a:cxnLst/>
+            <a:rect l="0" t="0" r="0" b="0"/>
+            <a:pathLst>
+              <a:path w="120000" h="120000" extrusionOk="0">
+                <a:moveTo>
+                  <a:pt x="0" y="0"/>
+                </a:moveTo>
+                <a:lnTo>
+                  <a:pt x="120000" y="0"/>
+                </a:lnTo>
+                <a:lnTo>
+                  <a:pt x="120000" y="120000"/>
+                </a:lnTo>
+                <a:lnTo>
+                  <a:pt x="0" y="120000"/>
+                </a:lnTo>
+                <a:close/>
+              </a:path>
+            </a:pathLst>
+          </a:custGeom>
+          <a:noFill/>
+          <a:ln w="12700" cap="flat" cmpd="sng">
+            <a:solidFill>
+              <a:srgbClr val="000000"/>
+            </a:solidFill>
+            <a:prstDash val="solid"/>
+            <a:round/>
+            <a:headEnd type="none" w="med" len="med"/>
+            <a:tailEnd type="none" w="med" len="med"/>
+          </a:ln>
+        </p:spPr>
+      </p:sp>
+      <p:sp>
+        <p:nvSpPr>
+          <p:cNvPr id="98" name="Shape 98"/>
+          <p:cNvSpPr txBox="1">
+            <a:spLocks noGrp="1"/>
+          </p:cNvSpPr>
+          <p:nvPr>
+            <p:ph type="body" idx="1"/>
+          </p:nvPr>
+        </p:nvSpPr>
+        <p:spPr>
+          <a:xfrm>
+            <a:off x="685800" y="4343400"/>
+            <a:ext cx="5486399" cy="4114800"/>
+          </a:xfrm>
+          <a:prstGeom prst="rect">
+            <a:avLst/>
+          </a:prstGeom>
+          <a:noFill/>
+          <a:ln>
+            <a:noFill/>
+          </a:ln>
+        </p:spPr>
+        <p:txBody>
+          <a:bodyPr lIns="91425" tIns="45700" rIns="91425" bIns="45700" anchor="t" anchorCtr="0">
+            <a:noAutofit/>
+          </a:bodyPr>
+          <a:lstStyle/>
+          <a:p>
+            <a:pPr marL="0" marR="0" lvl="0" indent="0" algn="l" rtl="0">
+              <a:spcBef>
+                <a:spcPts val="0"/>
+              </a:spcBef>
+              <a:buSzPct val="25000"/>
+              <a:buNone/>
+            </a:pPr>
+            <a:r>
+              <a:rPr lang="en-US" sz="1200" b="0" i="0" u="none" strike="noStrike" cap="none">
+                <a:solidFill>
+                  <a:schemeClr val="dk1"/>
+                </a:solidFill>
+                <a:latin typeface="Calibri"/>
+                <a:ea typeface="Calibri"/>
+                <a:cs typeface="Calibri"/>
+                <a:sym typeface="Calibri"/>
+              </a:rPr>
+              <a:t>Alternative hypothesis is usually what you’re trying to prove.</a:t>
+            </a:r>
+          </a:p>
+        </p:txBody>
+      </p:sp>
+      <p:sp>
+        <p:nvSpPr>
+          <p:cNvPr id="99" name="Shape 99"/>
+          <p:cNvSpPr txBox="1">
+            <a:spLocks noGrp="1"/>
+          </p:cNvSpPr>
+          <p:nvPr>
+            <p:ph type="sldNum" idx="12"/>
+          </p:nvPr>
+        </p:nvSpPr>
+        <p:spPr>
+          <a:xfrm>
+            <a:off x="3884612" y="8685213"/>
+            <a:ext cx="2971799" cy="457200"/>
+          </a:xfrm>
+          <a:prstGeom prst="rect">
+            <a:avLst/>
+          </a:prstGeom>
+          <a:noFill/>
+          <a:ln>
+            <a:noFill/>
+          </a:ln>
+        </p:spPr>
+        <p:txBody>
+          <a:bodyPr lIns="91425" tIns="45700" rIns="91425" bIns="45700" anchor="b" anchorCtr="0">
+            <a:noAutofit/>
+          </a:bodyPr>
+          <a:lstStyle/>
+          <a:p>
+            <a:pPr marL="0" marR="0" lvl="0" indent="0" algn="r" rtl="0">
+              <a:spcBef>
+                <a:spcPts val="0"/>
+              </a:spcBef>
+              <a:buSzPct val="25000"/>
+              <a:buNone/>
+            </a:pPr>
+            <a:fld id="{00000000-1234-1234-1234-123412341234}" type="slidenum">
+              <a:rPr lang="en-US" sz="1200">
+                <a:solidFill>
+                  <a:schemeClr val="dk1"/>
+                </a:solidFill>
+                <a:latin typeface="Calibri"/>
+                <a:ea typeface="Calibri"/>
+                <a:cs typeface="Calibri"/>
+                <a:sym typeface="Calibri"/>
+              </a:rPr>
               <a:t>10</a:t>
             </a:fld>
             <a:endParaRPr lang="en-US" sz="1200">
@@ -2384,7 +2577,7 @@
     </p:spTree>
     <p:extLst>
       <p:ext uri="{BB962C8B-B14F-4D97-AF65-F5344CB8AC3E}">
-        <p14:creationId xmlns:p14="http://schemas.microsoft.com/office/powerpoint/2010/main" val="359524832"/>
+        <p14:creationId xmlns:p14="http://schemas.microsoft.com/office/powerpoint/2010/main" val="1911857844"/>
       </p:ext>
     </p:extLst>
   </p:cSld>
@@ -2579,7 +2772,7 @@
           <a:p>
             <a:fld id="{93C8B963-0F36-48FC-991E-AA63861DA924}" type="datetimeFigureOut">
               <a:rPr lang="en-US" smtClean="0"/>
-              <a:t>11/10/2024</a:t>
+              <a:t>11/12/2024</a:t>
             </a:fld>
             <a:endParaRPr lang="en-US"/>
           </a:p>
@@ -2877,7 +3070,7 @@
           <a:p>
             <a:fld id="{93C8B963-0F36-48FC-991E-AA63861DA924}" type="datetimeFigureOut">
               <a:rPr lang="en-US" smtClean="0"/>
-              <a:t>11/10/2024</a:t>
+              <a:t>11/12/2024</a:t>
             </a:fld>
             <a:endParaRPr lang="en-US"/>
           </a:p>
@@ -3069,7 +3262,7 @@
           <a:p>
             <a:fld id="{93C8B963-0F36-48FC-991E-AA63861DA924}" type="datetimeFigureOut">
               <a:rPr lang="en-US" smtClean="0"/>
-              <a:t>11/10/2024</a:t>
+              <a:t>11/12/2024</a:t>
             </a:fld>
             <a:endParaRPr lang="en-US"/>
           </a:p>
@@ -3330,7 +3523,7 @@
           <a:p>
             <a:fld id="{93C8B963-0F36-48FC-991E-AA63861DA924}" type="datetimeFigureOut">
               <a:rPr lang="en-US" smtClean="0"/>
-              <a:t>11/10/2024</a:t>
+              <a:t>11/12/2024</a:t>
             </a:fld>
             <a:endParaRPr lang="en-US"/>
           </a:p>
@@ -3754,7 +3947,7 @@
           <a:p>
             <a:fld id="{93C8B963-0F36-48FC-991E-AA63861DA924}" type="datetimeFigureOut">
               <a:rPr lang="en-US" smtClean="0"/>
-              <a:t>11/10/2024</a:t>
+              <a:t>11/12/2024</a:t>
             </a:fld>
             <a:endParaRPr lang="en-US"/>
           </a:p>
@@ -4291,7 +4484,7 @@
           <a:p>
             <a:fld id="{93C8B963-0F36-48FC-991E-AA63861DA924}" type="datetimeFigureOut">
               <a:rPr lang="en-US" smtClean="0"/>
-              <a:t>11/10/2024</a:t>
+              <a:t>11/12/2024</a:t>
             </a:fld>
             <a:endParaRPr lang="en-US"/>
           </a:p>
@@ -5155,7 +5348,7 @@
           <a:p>
             <a:fld id="{93C8B963-0F36-48FC-991E-AA63861DA924}" type="datetimeFigureOut">
               <a:rPr lang="en-US" smtClean="0"/>
-              <a:t>11/10/2024</a:t>
+              <a:t>11/12/2024</a:t>
             </a:fld>
             <a:endParaRPr lang="en-US"/>
           </a:p>
@@ -5325,7 +5518,7 @@
           <a:p>
             <a:fld id="{93C8B963-0F36-48FC-991E-AA63861DA924}" type="datetimeFigureOut">
               <a:rPr lang="en-US" smtClean="0"/>
-              <a:t>11/10/2024</a:t>
+              <a:t>11/12/2024</a:t>
             </a:fld>
             <a:endParaRPr lang="en-US"/>
           </a:p>
@@ -5509,7 +5702,7 @@
           <a:p>
             <a:fld id="{93C8B963-0F36-48FC-991E-AA63861DA924}" type="datetimeFigureOut">
               <a:rPr lang="en-US" smtClean="0"/>
-              <a:t>11/10/2024</a:t>
+              <a:t>11/12/2024</a:t>
             </a:fld>
             <a:endParaRPr lang="en-US"/>
           </a:p>
@@ -5679,7 +5872,7 @@
           <a:p>
             <a:fld id="{93C8B963-0F36-48FC-991E-AA63861DA924}" type="datetimeFigureOut">
               <a:rPr lang="en-US" smtClean="0"/>
-              <a:t>11/10/2024</a:t>
+              <a:t>11/12/2024</a:t>
             </a:fld>
             <a:endParaRPr lang="en-US"/>
           </a:p>
@@ -5923,7 +6116,7 @@
           <a:p>
             <a:fld id="{93C8B963-0F36-48FC-991E-AA63861DA924}" type="datetimeFigureOut">
               <a:rPr lang="en-US" smtClean="0"/>
-              <a:t>11/10/2024</a:t>
+              <a:t>11/12/2024</a:t>
             </a:fld>
             <a:endParaRPr lang="en-US"/>
           </a:p>
@@ -6159,7 +6352,7 @@
           <a:p>
             <a:fld id="{93C8B963-0F36-48FC-991E-AA63861DA924}" type="datetimeFigureOut">
               <a:rPr lang="en-US" smtClean="0"/>
-              <a:t>11/10/2024</a:t>
+              <a:t>11/12/2024</a:t>
             </a:fld>
             <a:endParaRPr lang="en-US"/>
           </a:p>
@@ -6625,7 +6818,7 @@
           <a:p>
             <a:fld id="{93C8B963-0F36-48FC-991E-AA63861DA924}" type="datetimeFigureOut">
               <a:rPr lang="en-US" smtClean="0"/>
-              <a:t>11/10/2024</a:t>
+              <a:t>11/12/2024</a:t>
             </a:fld>
             <a:endParaRPr lang="en-US"/>
           </a:p>
@@ -6743,7 +6936,7 @@
           <a:p>
             <a:fld id="{93C8B963-0F36-48FC-991E-AA63861DA924}" type="datetimeFigureOut">
               <a:rPr lang="en-US" smtClean="0"/>
-              <a:t>11/10/2024</a:t>
+              <a:t>11/12/2024</a:t>
             </a:fld>
             <a:endParaRPr lang="en-US"/>
           </a:p>
@@ -6838,7 +7031,7 @@
           <a:p>
             <a:fld id="{93C8B963-0F36-48FC-991E-AA63861DA924}" type="datetimeFigureOut">
               <a:rPr lang="en-US" smtClean="0"/>
-              <a:t>11/10/2024</a:t>
+              <a:t>11/12/2024</a:t>
             </a:fld>
             <a:endParaRPr lang="en-US"/>
           </a:p>
@@ -7093,7 +7286,7 @@
           <a:p>
             <a:fld id="{93C8B963-0F36-48FC-991E-AA63861DA924}" type="datetimeFigureOut">
               <a:rPr lang="en-US" smtClean="0"/>
-              <a:t>11/10/2024</a:t>
+              <a:t>11/12/2024</a:t>
             </a:fld>
             <a:endParaRPr lang="en-US"/>
           </a:p>
@@ -7393,7 +7586,7 @@
           <a:p>
             <a:fld id="{93C8B963-0F36-48FC-991E-AA63861DA924}" type="datetimeFigureOut">
               <a:rPr lang="en-US" smtClean="0"/>
-              <a:t>11/10/2024</a:t>
+              <a:t>11/12/2024</a:t>
             </a:fld>
             <a:endParaRPr lang="en-US"/>
           </a:p>
@@ -7627,7 +7820,7 @@
           <a:p>
             <a:fld id="{93C8B963-0F36-48FC-991E-AA63861DA924}" type="datetimeFigureOut">
               <a:rPr lang="en-US" smtClean="0"/>
-              <a:t>11/10/2024</a:t>
+              <a:t>11/12/2024</a:t>
             </a:fld>
             <a:endParaRPr lang="en-US"/>
           </a:p>
@@ -8451,6 +8644,480 @@
         </p:nvSpPr>
         <p:spPr>
           <a:xfrm>
+            <a:off x="219499" y="234057"/>
+            <a:ext cx="5384348" cy="584700"/>
+          </a:xfrm>
+          <a:prstGeom prst="rect">
+            <a:avLst/>
+          </a:prstGeom>
+          <a:noFill/>
+          <a:ln>
+            <a:noFill/>
+          </a:ln>
+        </p:spPr>
+        <p:txBody>
+          <a:bodyPr lIns="91425" tIns="45700" rIns="91425" bIns="45700" anchor="t" anchorCtr="0">
+            <a:noAutofit/>
+          </a:bodyPr>
+          <a:lstStyle/>
+          <a:p>
+            <a:pPr>
+              <a:buSzPct val="25000"/>
+            </a:pPr>
+            <a:r>
+              <a:rPr lang="en-US" sz="3200" b="1" dirty="0">
+                <a:latin typeface="+mj-lt"/>
+                <a:ea typeface="Gill Sans MT"/>
+                <a:cs typeface="Gill Sans MT"/>
+                <a:sym typeface="Gill Sans MT"/>
+              </a:rPr>
+              <a:t>Categorical variables in </a:t>
+            </a:r>
+            <a:br>
+              <a:rPr lang="en-US" sz="3200" b="1" dirty="0">
+                <a:latin typeface="+mj-lt"/>
+                <a:ea typeface="Gill Sans MT"/>
+                <a:cs typeface="Gill Sans MT"/>
+                <a:sym typeface="Gill Sans MT"/>
+              </a:rPr>
+            </a:br>
+            <a:r>
+              <a:rPr lang="en-US" sz="3200" b="1" dirty="0">
+                <a:latin typeface="+mj-lt"/>
+                <a:ea typeface="Gill Sans MT"/>
+                <a:cs typeface="Gill Sans MT"/>
+                <a:sym typeface="Gill Sans MT"/>
+              </a:rPr>
+              <a:t>OLS regression</a:t>
+            </a:r>
+          </a:p>
+        </p:txBody>
+      </p:sp>
+      <p:sp>
+        <p:nvSpPr>
+          <p:cNvPr id="3" name="TextBox 2">
+            <a:extLst>
+              <a:ext uri="{FF2B5EF4-FFF2-40B4-BE49-F238E27FC236}">
+                <a16:creationId xmlns:a16="http://schemas.microsoft.com/office/drawing/2014/main" id="{FFE6C94C-A237-49AE-8949-E9A78F369CE6}"/>
+              </a:ext>
+            </a:extLst>
+          </p:cNvPr>
+          <p:cNvSpPr txBox="1"/>
+          <p:nvPr/>
+        </p:nvSpPr>
+        <p:spPr>
+          <a:xfrm>
+            <a:off x="377433" y="1414375"/>
+            <a:ext cx="5068479" cy="3046988"/>
+          </a:xfrm>
+          <a:prstGeom prst="rect">
+            <a:avLst/>
+          </a:prstGeom>
+          <a:noFill/>
+        </p:spPr>
+        <p:txBody>
+          <a:bodyPr wrap="square">
+            <a:spAutoFit/>
+          </a:bodyPr>
+          <a:lstStyle/>
+          <a:p>
+            <a:pPr marL="342900" indent="-342900">
+              <a:buFont typeface="Arial" panose="020B0604020202020204" pitchFamily="34" charset="0"/>
+              <a:buChar char="•"/>
+            </a:pPr>
+            <a:r>
+              <a:rPr lang="en-US" sz="2400" dirty="0">
+                <a:latin typeface="+mj-lt"/>
+                <a:sym typeface="Gill Sans MT"/>
+              </a:rPr>
+              <a:t>For example, the states that counties are in.</a:t>
+            </a:r>
+          </a:p>
+          <a:p>
+            <a:pPr marL="342900" indent="-342900">
+              <a:buFont typeface="Arial" panose="020B0604020202020204" pitchFamily="34" charset="0"/>
+              <a:buChar char="•"/>
+            </a:pPr>
+            <a:r>
+              <a:rPr lang="en-US" sz="2400" dirty="0">
+                <a:latin typeface="+mj-lt"/>
+                <a:sym typeface="Gill Sans MT"/>
+              </a:rPr>
+              <a:t>R will automatically create dummy variables (0/1) for each state.</a:t>
+            </a:r>
+          </a:p>
+          <a:p>
+            <a:pPr marL="342900" indent="-342900">
+              <a:buFont typeface="Arial" panose="020B0604020202020204" pitchFamily="34" charset="0"/>
+              <a:buChar char="•"/>
+            </a:pPr>
+            <a:r>
+              <a:rPr lang="en-US" sz="2400" dirty="0">
+                <a:latin typeface="+mj-lt"/>
+                <a:sym typeface="Gill Sans MT"/>
+              </a:rPr>
+              <a:t>One state/variable is always used as a “reference”—the model coefficients are in comparison to that state. </a:t>
+            </a:r>
+            <a:r>
+              <a:rPr lang="en-US" sz="2400">
+                <a:latin typeface="+mj-lt"/>
+                <a:sym typeface="Gill Sans MT"/>
+              </a:rPr>
+              <a:t>(Notice no Alabama)</a:t>
+            </a:r>
+            <a:endParaRPr lang="en-US" sz="2400" dirty="0"/>
+          </a:p>
+        </p:txBody>
+      </p:sp>
+      <p:pic>
+        <p:nvPicPr>
+          <p:cNvPr id="6" name="Picture 5">
+            <a:extLst>
+              <a:ext uri="{FF2B5EF4-FFF2-40B4-BE49-F238E27FC236}">
+                <a16:creationId xmlns:a16="http://schemas.microsoft.com/office/drawing/2014/main" id="{12996464-18FE-4B2D-9437-82B9F4A879B0}"/>
+              </a:ext>
+            </a:extLst>
+          </p:cNvPr>
+          <p:cNvPicPr>
+            <a:picLocks noChangeAspect="1"/>
+          </p:cNvPicPr>
+          <p:nvPr/>
+        </p:nvPicPr>
+        <p:blipFill>
+          <a:blip r:embed="rId3"/>
+          <a:stretch>
+            <a:fillRect/>
+          </a:stretch>
+        </p:blipFill>
+        <p:spPr>
+          <a:xfrm>
+            <a:off x="5729187" y="0"/>
+            <a:ext cx="6462813" cy="6858000"/>
+          </a:xfrm>
+          <a:prstGeom prst="rect">
+            <a:avLst/>
+          </a:prstGeom>
+        </p:spPr>
+      </p:pic>
+      <p:grpSp>
+        <p:nvGrpSpPr>
+          <p:cNvPr id="21" name="Group 20">
+            <a:extLst>
+              <a:ext uri="{FF2B5EF4-FFF2-40B4-BE49-F238E27FC236}">
+                <a16:creationId xmlns:a16="http://schemas.microsoft.com/office/drawing/2014/main" id="{0F9A9CDA-E0D7-4CE5-ABE8-34A93CDEA025}"/>
+              </a:ext>
+            </a:extLst>
+          </p:cNvPr>
+          <p:cNvGrpSpPr/>
+          <p:nvPr/>
+        </p:nvGrpSpPr>
+        <p:grpSpPr>
+          <a:xfrm>
+            <a:off x="1158373" y="4461363"/>
+            <a:ext cx="3506597" cy="2197916"/>
+            <a:chOff x="302004" y="4555222"/>
+            <a:chExt cx="3506597" cy="2197916"/>
+          </a:xfrm>
+        </p:grpSpPr>
+        <p:sp>
+          <p:nvSpPr>
+            <p:cNvPr id="9" name="Rectangle 8">
+              <a:extLst>
+                <a:ext uri="{FF2B5EF4-FFF2-40B4-BE49-F238E27FC236}">
+                  <a16:creationId xmlns:a16="http://schemas.microsoft.com/office/drawing/2014/main" id="{99EAECEC-6694-4695-9DD9-F42935AF29A4}"/>
+                </a:ext>
+              </a:extLst>
+            </p:cNvPr>
+            <p:cNvSpPr/>
+            <p:nvPr/>
+          </p:nvSpPr>
+          <p:spPr>
+            <a:xfrm>
+              <a:off x="302004" y="4555222"/>
+              <a:ext cx="3506597" cy="2197916"/>
+            </a:xfrm>
+            <a:prstGeom prst="rect">
+              <a:avLst/>
+            </a:prstGeom>
+            <a:solidFill>
+              <a:schemeClr val="tx1"/>
+            </a:solidFill>
+          </p:spPr>
+          <p:style>
+            <a:lnRef idx="2">
+              <a:schemeClr val="accent1">
+                <a:shade val="50000"/>
+              </a:schemeClr>
+            </a:lnRef>
+            <a:fillRef idx="1">
+              <a:schemeClr val="accent1"/>
+            </a:fillRef>
+            <a:effectRef idx="0">
+              <a:schemeClr val="accent1"/>
+            </a:effectRef>
+            <a:fontRef idx="minor">
+              <a:schemeClr val="lt1"/>
+            </a:fontRef>
+          </p:style>
+          <p:txBody>
+            <a:bodyPr rtlCol="0" anchor="ctr"/>
+            <a:lstStyle/>
+            <a:p>
+              <a:pPr algn="ctr"/>
+              <a:endParaRPr lang="en-US"/>
+            </a:p>
+          </p:txBody>
+        </p:sp>
+        <p:cxnSp>
+          <p:nvCxnSpPr>
+            <p:cNvPr id="11" name="Straight Connector 10">
+              <a:extLst>
+                <a:ext uri="{FF2B5EF4-FFF2-40B4-BE49-F238E27FC236}">
+                  <a16:creationId xmlns:a16="http://schemas.microsoft.com/office/drawing/2014/main" id="{C9C1495E-2CA3-4066-8C95-4370E325D116}"/>
+                </a:ext>
+              </a:extLst>
+            </p:cNvPr>
+            <p:cNvCxnSpPr>
+              <a:cxnSpLocks/>
+            </p:cNvCxnSpPr>
+            <p:nvPr/>
+          </p:nvCxnSpPr>
+          <p:spPr>
+            <a:xfrm>
+              <a:off x="645952" y="4714613"/>
+              <a:ext cx="0" cy="1845578"/>
+            </a:xfrm>
+            <a:prstGeom prst="line">
+              <a:avLst/>
+            </a:prstGeom>
+            <a:ln w="19050">
+              <a:solidFill>
+                <a:schemeClr val="bg2"/>
+              </a:solidFill>
+            </a:ln>
+          </p:spPr>
+          <p:style>
+            <a:lnRef idx="1">
+              <a:schemeClr val="accent1"/>
+            </a:lnRef>
+            <a:fillRef idx="0">
+              <a:schemeClr val="accent1"/>
+            </a:fillRef>
+            <a:effectRef idx="0">
+              <a:schemeClr val="accent1"/>
+            </a:effectRef>
+            <a:fontRef idx="minor">
+              <a:schemeClr val="tx1"/>
+            </a:fontRef>
+          </p:style>
+        </p:cxnSp>
+        <p:cxnSp>
+          <p:nvCxnSpPr>
+            <p:cNvPr id="13" name="Straight Connector 12">
+              <a:extLst>
+                <a:ext uri="{FF2B5EF4-FFF2-40B4-BE49-F238E27FC236}">
+                  <a16:creationId xmlns:a16="http://schemas.microsoft.com/office/drawing/2014/main" id="{47B7C0DD-251C-4790-A6A1-37674876C42F}"/>
+                </a:ext>
+              </a:extLst>
+            </p:cNvPr>
+            <p:cNvCxnSpPr>
+              <a:cxnSpLocks/>
+            </p:cNvCxnSpPr>
+            <p:nvPr/>
+          </p:nvCxnSpPr>
+          <p:spPr>
+            <a:xfrm flipH="1">
+              <a:off x="645952" y="6560191"/>
+              <a:ext cx="2919369" cy="0"/>
+            </a:xfrm>
+            <a:prstGeom prst="line">
+              <a:avLst/>
+            </a:prstGeom>
+            <a:ln w="19050">
+              <a:solidFill>
+                <a:schemeClr val="bg2"/>
+              </a:solidFill>
+            </a:ln>
+          </p:spPr>
+          <p:style>
+            <a:lnRef idx="1">
+              <a:schemeClr val="accent3"/>
+            </a:lnRef>
+            <a:fillRef idx="0">
+              <a:schemeClr val="accent3"/>
+            </a:fillRef>
+            <a:effectRef idx="0">
+              <a:schemeClr val="accent3"/>
+            </a:effectRef>
+            <a:fontRef idx="minor">
+              <a:schemeClr val="tx1"/>
+            </a:fontRef>
+          </p:style>
+        </p:cxnSp>
+        <p:cxnSp>
+          <p:nvCxnSpPr>
+            <p:cNvPr id="17" name="Straight Connector 16">
+              <a:extLst>
+                <a:ext uri="{FF2B5EF4-FFF2-40B4-BE49-F238E27FC236}">
+                  <a16:creationId xmlns:a16="http://schemas.microsoft.com/office/drawing/2014/main" id="{5BF21DA6-B724-43D8-BDD4-F2E94111E031}"/>
+                </a:ext>
+              </a:extLst>
+            </p:cNvPr>
+            <p:cNvCxnSpPr>
+              <a:cxnSpLocks/>
+            </p:cNvCxnSpPr>
+            <p:nvPr/>
+          </p:nvCxnSpPr>
+          <p:spPr>
+            <a:xfrm flipV="1">
+              <a:off x="645952" y="5209563"/>
+              <a:ext cx="2608976" cy="838899"/>
+            </a:xfrm>
+            <a:prstGeom prst="line">
+              <a:avLst/>
+            </a:prstGeom>
+          </p:spPr>
+          <p:style>
+            <a:lnRef idx="1">
+              <a:schemeClr val="accent1"/>
+            </a:lnRef>
+            <a:fillRef idx="0">
+              <a:schemeClr val="accent1"/>
+            </a:fillRef>
+            <a:effectRef idx="0">
+              <a:schemeClr val="accent1"/>
+            </a:effectRef>
+            <a:fontRef idx="minor">
+              <a:schemeClr val="tx1"/>
+            </a:fontRef>
+          </p:style>
+        </p:cxnSp>
+        <p:cxnSp>
+          <p:nvCxnSpPr>
+            <p:cNvPr id="19" name="Straight Connector 18">
+              <a:extLst>
+                <a:ext uri="{FF2B5EF4-FFF2-40B4-BE49-F238E27FC236}">
+                  <a16:creationId xmlns:a16="http://schemas.microsoft.com/office/drawing/2014/main" id="{6C497EB2-8914-434D-B92F-7E146E7B9ACD}"/>
+                </a:ext>
+              </a:extLst>
+            </p:cNvPr>
+            <p:cNvCxnSpPr>
+              <a:cxnSpLocks/>
+            </p:cNvCxnSpPr>
+            <p:nvPr/>
+          </p:nvCxnSpPr>
+          <p:spPr>
+            <a:xfrm flipV="1">
+              <a:off x="645951" y="4820692"/>
+              <a:ext cx="2608976" cy="838899"/>
+            </a:xfrm>
+            <a:prstGeom prst="line">
+              <a:avLst/>
+            </a:prstGeom>
+          </p:spPr>
+          <p:style>
+            <a:lnRef idx="1">
+              <a:schemeClr val="accent6"/>
+            </a:lnRef>
+            <a:fillRef idx="0">
+              <a:schemeClr val="accent6"/>
+            </a:fillRef>
+            <a:effectRef idx="0">
+              <a:schemeClr val="accent6"/>
+            </a:effectRef>
+            <a:fontRef idx="minor">
+              <a:schemeClr val="tx1"/>
+            </a:fontRef>
+          </p:style>
+        </p:cxnSp>
+        <p:cxnSp>
+          <p:nvCxnSpPr>
+            <p:cNvPr id="20" name="Straight Connector 19">
+              <a:extLst>
+                <a:ext uri="{FF2B5EF4-FFF2-40B4-BE49-F238E27FC236}">
+                  <a16:creationId xmlns:a16="http://schemas.microsoft.com/office/drawing/2014/main" id="{162B2E94-AA44-4646-A1D1-3E9B2396DD0D}"/>
+                </a:ext>
+              </a:extLst>
+            </p:cNvPr>
+            <p:cNvCxnSpPr>
+              <a:cxnSpLocks/>
+            </p:cNvCxnSpPr>
+            <p:nvPr/>
+          </p:nvCxnSpPr>
+          <p:spPr>
+            <a:xfrm flipV="1">
+              <a:off x="645951" y="5591263"/>
+              <a:ext cx="2608976" cy="838899"/>
+            </a:xfrm>
+            <a:prstGeom prst="line">
+              <a:avLst/>
+            </a:prstGeom>
+            <a:ln>
+              <a:solidFill>
+                <a:srgbClr val="FFC000"/>
+              </a:solidFill>
+            </a:ln>
+          </p:spPr>
+          <p:style>
+            <a:lnRef idx="1">
+              <a:schemeClr val="accent6"/>
+            </a:lnRef>
+            <a:fillRef idx="0">
+              <a:schemeClr val="accent6"/>
+            </a:fillRef>
+            <a:effectRef idx="0">
+              <a:schemeClr val="accent6"/>
+            </a:effectRef>
+            <a:fontRef idx="minor">
+              <a:schemeClr val="tx1"/>
+            </a:fontRef>
+          </p:style>
+        </p:cxnSp>
+      </p:grpSp>
+    </p:spTree>
+    <p:extLst>
+      <p:ext uri="{BB962C8B-B14F-4D97-AF65-F5344CB8AC3E}">
+        <p14:creationId xmlns:p14="http://schemas.microsoft.com/office/powerpoint/2010/main" val="1456904181"/>
+      </p:ext>
+    </p:extLst>
+  </p:cSld>
+  <p:clrMapOvr>
+    <a:masterClrMapping/>
+  </p:clrMapOvr>
+</p:sld>
+</file>
+
+<file path=ppt/slides/slide11.xml><?xml version="1.0" encoding="utf-8"?>
+<p:sld xmlns:a="http://schemas.openxmlformats.org/drawingml/2006/main" xmlns:r="http://schemas.openxmlformats.org/officeDocument/2006/relationships" xmlns:p="http://schemas.openxmlformats.org/presentationml/2006/main">
+  <p:cSld>
+    <p:spTree>
+      <p:nvGrpSpPr>
+        <p:cNvPr id="1" name="Shape 100"/>
+        <p:cNvGrpSpPr/>
+        <p:nvPr/>
+      </p:nvGrpSpPr>
+      <p:grpSpPr>
+        <a:xfrm>
+          <a:off x="0" y="0"/>
+          <a:ext cx="0" cy="0"/>
+          <a:chOff x="0" y="0"/>
+          <a:chExt cx="0" cy="0"/>
+        </a:xfrm>
+      </p:grpSpPr>
+      <p:sp>
+        <p:nvSpPr>
+          <p:cNvPr id="7" name="Shape 101">
+            <a:extLst>
+              <a:ext uri="{FF2B5EF4-FFF2-40B4-BE49-F238E27FC236}">
+                <a16:creationId xmlns:a16="http://schemas.microsoft.com/office/drawing/2014/main" id="{AD613488-ED13-4273-A63F-ED1EB26B2F4C}"/>
+              </a:ext>
+            </a:extLst>
+          </p:cNvPr>
+          <p:cNvSpPr txBox="1"/>
+          <p:nvPr/>
+        </p:nvSpPr>
+        <p:spPr>
+          <a:xfrm>
             <a:off x="219498" y="234057"/>
             <a:ext cx="10695963" cy="584700"/>
           </a:xfrm>
@@ -8526,7 +9193,7 @@
 </p:sld>
 </file>
 
-<file path=ppt/slides/slide11.xml><?xml version="1.0" encoding="utf-8"?>
+<file path=ppt/slides/slide12.xml><?xml version="1.0" encoding="utf-8"?>
 <p:sld xmlns:a="http://schemas.openxmlformats.org/drawingml/2006/main" xmlns:r="http://schemas.openxmlformats.org/officeDocument/2006/relationships" xmlns:p="http://schemas.openxmlformats.org/presentationml/2006/main">
   <p:cSld>
     <p:spTree>
